--- a/2018년 웹페이지 작업/고객 지원.pptx
+++ b/2018년 웹페이지 작업/고객 지원.pptx
@@ -246,7 +246,7 @@
           <a:p>
             <a:fld id="{7FF31467-9F25-418F-8005-740F97194C4B}" type="datetimeFigureOut">
               <a:rPr lang="ko-KR" altLang="en-US" smtClean="0"/>
-              <a:t>2016-10-11</a:t>
+              <a:t>2018-07-30</a:t>
             </a:fld>
             <a:endParaRPr lang="ko-KR" altLang="en-US"/>
           </a:p>
@@ -414,7 +414,7 @@
           <a:p>
             <a:fld id="{7FF31467-9F25-418F-8005-740F97194C4B}" type="datetimeFigureOut">
               <a:rPr lang="ko-KR" altLang="en-US" smtClean="0"/>
-              <a:t>2016-10-11</a:t>
+              <a:t>2018-07-30</a:t>
             </a:fld>
             <a:endParaRPr lang="ko-KR" altLang="en-US"/>
           </a:p>
@@ -592,7 +592,7 @@
           <a:p>
             <a:fld id="{7FF31467-9F25-418F-8005-740F97194C4B}" type="datetimeFigureOut">
               <a:rPr lang="ko-KR" altLang="en-US" smtClean="0"/>
-              <a:t>2016-10-11</a:t>
+              <a:t>2018-07-30</a:t>
             </a:fld>
             <a:endParaRPr lang="ko-KR" altLang="en-US"/>
           </a:p>
@@ -760,7 +760,7 @@
           <a:p>
             <a:fld id="{7FF31467-9F25-418F-8005-740F97194C4B}" type="datetimeFigureOut">
               <a:rPr lang="ko-KR" altLang="en-US" smtClean="0"/>
-              <a:t>2016-10-11</a:t>
+              <a:t>2018-07-30</a:t>
             </a:fld>
             <a:endParaRPr lang="ko-KR" altLang="en-US"/>
           </a:p>
@@ -1005,7 +1005,7 @@
           <a:p>
             <a:fld id="{7FF31467-9F25-418F-8005-740F97194C4B}" type="datetimeFigureOut">
               <a:rPr lang="ko-KR" altLang="en-US" smtClean="0"/>
-              <a:t>2016-10-11</a:t>
+              <a:t>2018-07-30</a:t>
             </a:fld>
             <a:endParaRPr lang="ko-KR" altLang="en-US"/>
           </a:p>
@@ -1234,7 +1234,7 @@
           <a:p>
             <a:fld id="{7FF31467-9F25-418F-8005-740F97194C4B}" type="datetimeFigureOut">
               <a:rPr lang="ko-KR" altLang="en-US" smtClean="0"/>
-              <a:t>2016-10-11</a:t>
+              <a:t>2018-07-30</a:t>
             </a:fld>
             <a:endParaRPr lang="ko-KR" altLang="en-US"/>
           </a:p>
@@ -1598,7 +1598,7 @@
           <a:p>
             <a:fld id="{7FF31467-9F25-418F-8005-740F97194C4B}" type="datetimeFigureOut">
               <a:rPr lang="ko-KR" altLang="en-US" smtClean="0"/>
-              <a:t>2016-10-11</a:t>
+              <a:t>2018-07-30</a:t>
             </a:fld>
             <a:endParaRPr lang="ko-KR" altLang="en-US"/>
           </a:p>
@@ -1715,7 +1715,7 @@
           <a:p>
             <a:fld id="{7FF31467-9F25-418F-8005-740F97194C4B}" type="datetimeFigureOut">
               <a:rPr lang="ko-KR" altLang="en-US" smtClean="0"/>
-              <a:t>2016-10-11</a:t>
+              <a:t>2018-07-30</a:t>
             </a:fld>
             <a:endParaRPr lang="ko-KR" altLang="en-US"/>
           </a:p>
@@ -1810,7 +1810,7 @@
           <a:p>
             <a:fld id="{7FF31467-9F25-418F-8005-740F97194C4B}" type="datetimeFigureOut">
               <a:rPr lang="ko-KR" altLang="en-US" smtClean="0"/>
-              <a:t>2016-10-11</a:t>
+              <a:t>2018-07-30</a:t>
             </a:fld>
             <a:endParaRPr lang="ko-KR" altLang="en-US"/>
           </a:p>
@@ -2085,7 +2085,7 @@
           <a:p>
             <a:fld id="{7FF31467-9F25-418F-8005-740F97194C4B}" type="datetimeFigureOut">
               <a:rPr lang="ko-KR" altLang="en-US" smtClean="0"/>
-              <a:t>2016-10-11</a:t>
+              <a:t>2018-07-30</a:t>
             </a:fld>
             <a:endParaRPr lang="ko-KR" altLang="en-US"/>
           </a:p>
@@ -2337,7 +2337,7 @@
           <a:p>
             <a:fld id="{7FF31467-9F25-418F-8005-740F97194C4B}" type="datetimeFigureOut">
               <a:rPr lang="ko-KR" altLang="en-US" smtClean="0"/>
-              <a:t>2016-10-11</a:t>
+              <a:t>2018-07-30</a:t>
             </a:fld>
             <a:endParaRPr lang="ko-KR" altLang="en-US"/>
           </a:p>
@@ -2548,7 +2548,7 @@
           <a:p>
             <a:fld id="{7FF31467-9F25-418F-8005-740F97194C4B}" type="datetimeFigureOut">
               <a:rPr lang="ko-KR" altLang="en-US" smtClean="0"/>
-              <a:t>2016-10-11</a:t>
+              <a:t>2018-07-30</a:t>
             </a:fld>
             <a:endParaRPr lang="ko-KR" altLang="en-US"/>
           </a:p>
@@ -4935,69 +4935,6 @@
           </a:p>
         </p:txBody>
       </p:sp>
-      <p:grpSp>
-        <p:nvGrpSpPr>
-          <p:cNvPr id="6" name="그룹 5"/>
-          <p:cNvGrpSpPr/>
-          <p:nvPr/>
-        </p:nvGrpSpPr>
-        <p:grpSpPr>
-          <a:xfrm>
-            <a:off x="1252308" y="1246484"/>
-            <a:ext cx="1382695" cy="1383201"/>
-            <a:chOff x="4788486" y="2736996"/>
-            <a:chExt cx="2599523" cy="2265160"/>
-          </a:xfrm>
-        </p:grpSpPr>
-        <p:pic>
-          <p:nvPicPr>
-            <p:cNvPr id="5" name="그림 4"/>
-            <p:cNvPicPr>
-              <a:picLocks noChangeAspect="1"/>
-            </p:cNvPicPr>
-            <p:nvPr/>
-          </p:nvPicPr>
-          <p:blipFill>
-            <a:blip r:embed="rId2"/>
-            <a:stretch>
-              <a:fillRect/>
-            </a:stretch>
-          </p:blipFill>
-          <p:spPr>
-            <a:xfrm rot="20582148">
-              <a:off x="4788486" y="2836583"/>
-              <a:ext cx="1516816" cy="2165573"/>
-            </a:xfrm>
-            <a:prstGeom prst="rect">
-              <a:avLst/>
-            </a:prstGeom>
-          </p:spPr>
-        </p:pic>
-        <p:pic>
-          <p:nvPicPr>
-            <p:cNvPr id="4" name="그림 3"/>
-            <p:cNvPicPr>
-              <a:picLocks noChangeAspect="1"/>
-            </p:cNvPicPr>
-            <p:nvPr/>
-          </p:nvPicPr>
-          <p:blipFill>
-            <a:blip r:embed="rId3"/>
-            <a:stretch>
-              <a:fillRect/>
-            </a:stretch>
-          </p:blipFill>
-          <p:spPr>
-            <a:xfrm>
-              <a:off x="5871193" y="2736996"/>
-              <a:ext cx="1516816" cy="2165573"/>
-            </a:xfrm>
-            <a:prstGeom prst="rect">
-              <a:avLst/>
-            </a:prstGeom>
-          </p:spPr>
-        </p:pic>
-      </p:grpSp>
       <p:pic>
         <p:nvPicPr>
           <p:cNvPr id="9" name="그림 8"/>
@@ -5007,7 +4944,7 @@
           <p:nvPr/>
         </p:nvPicPr>
         <p:blipFill>
-          <a:blip r:embed="rId4"/>
+          <a:blip r:embed="rId2"/>
           <a:stretch>
             <a:fillRect/>
           </a:stretch>
@@ -5259,7 +5196,7 @@
           <p:nvPr/>
         </p:nvPicPr>
         <p:blipFill>
-          <a:blip r:embed="rId5"/>
+          <a:blip r:embed="rId3"/>
           <a:stretch>
             <a:fillRect/>
           </a:stretch>
@@ -5444,7 +5381,7 @@
         <p:spPr>
           <a:xfrm>
             <a:off x="2857129" y="1092595"/>
-            <a:ext cx="1786515" cy="307777"/>
+            <a:ext cx="2002921" cy="307777"/>
           </a:xfrm>
           <a:prstGeom prst="rect">
             <a:avLst/>
@@ -5468,7 +5405,21 @@
                 <a:latin typeface="+mj-ea"/>
                 <a:ea typeface="+mj-ea"/>
               </a:rPr>
-              <a:t>초급 중급</a:t>
+              <a:t>초급 </a:t>
+            </a:r>
+            <a:r>
+              <a:rPr lang="en-US" altLang="ko-KR" sz="1400" b="1" dirty="0">
+                <a:latin typeface="+mj-ea"/>
+                <a:ea typeface="+mj-ea"/>
+              </a:rPr>
+              <a:t>&amp;</a:t>
+            </a:r>
+            <a:r>
+              <a:rPr lang="ko-KR" altLang="en-US" sz="1400" b="1" dirty="0">
+                <a:latin typeface="+mj-ea"/>
+                <a:ea typeface="+mj-ea"/>
+              </a:rPr>
+              <a:t> 중급</a:t>
             </a:r>
           </a:p>
         </p:txBody>
@@ -5667,6 +5618,100 @@
           </a:p>
         </p:txBody>
       </p:sp>
+      <p:pic>
+        <p:nvPicPr>
+          <p:cNvPr id="3076" name="Picture 4" descr="http://lvedu.kr/bizdemo15636/component/board/board_14/u_image/20160104105044_1149127966.png">
+            <a:extLst>
+              <a:ext uri="{FF2B5EF4-FFF2-40B4-BE49-F238E27FC236}">
+                <a16:creationId xmlns:a16="http://schemas.microsoft.com/office/drawing/2014/main" id="{1296C8F8-22A3-42CB-8917-5E84C1D130BC}"/>
+              </a:ext>
+            </a:extLst>
+          </p:cNvPr>
+          <p:cNvPicPr>
+            <a:picLocks noChangeAspect="1" noChangeArrowheads="1"/>
+          </p:cNvPicPr>
+          <p:nvPr/>
+        </p:nvPicPr>
+        <p:blipFill>
+          <a:blip r:embed="rId4">
+            <a:extLst>
+              <a:ext uri="{28A0092B-C50C-407E-A947-70E740481C1C}">
+                <a14:useLocalDpi xmlns:a14="http://schemas.microsoft.com/office/drawing/2010/main" val="0"/>
+              </a:ext>
+            </a:extLst>
+          </a:blip>
+          <a:srcRect/>
+          <a:stretch>
+            <a:fillRect/>
+          </a:stretch>
+        </p:blipFill>
+        <p:spPr bwMode="auto">
+          <a:xfrm>
+            <a:off x="1737156" y="944728"/>
+            <a:ext cx="986808" cy="1467425"/>
+          </a:xfrm>
+          <a:prstGeom prst="rect">
+            <a:avLst/>
+          </a:prstGeom>
+          <a:noFill/>
+          <a:extLst>
+            <a:ext uri="{909E8E84-426E-40DD-AFC4-6F175D3DCCD1}">
+              <a14:hiddenFill xmlns:a14="http://schemas.microsoft.com/office/drawing/2010/main">
+                <a:solidFill>
+                  <a:srgbClr val="FFFFFF"/>
+                </a:solidFill>
+              </a14:hiddenFill>
+            </a:ext>
+          </a:extLst>
+        </p:spPr>
+      </p:pic>
+      <p:pic>
+        <p:nvPicPr>
+          <p:cNvPr id="19" name="Picture 2" descr="http://lvedu.kr/bizdemo15636/component/board/board_14/u_image/20161003151339_1118714257.png">
+            <a:extLst>
+              <a:ext uri="{FF2B5EF4-FFF2-40B4-BE49-F238E27FC236}">
+                <a16:creationId xmlns:a16="http://schemas.microsoft.com/office/drawing/2014/main" id="{C9616AF3-BB38-4D8D-B413-8078752BF007}"/>
+              </a:ext>
+            </a:extLst>
+          </p:cNvPr>
+          <p:cNvPicPr>
+            <a:picLocks noChangeAspect="1" noChangeArrowheads="1"/>
+          </p:cNvPicPr>
+          <p:nvPr/>
+        </p:nvPicPr>
+        <p:blipFill>
+          <a:blip r:embed="rId5">
+            <a:extLst>
+              <a:ext uri="{28A0092B-C50C-407E-A947-70E740481C1C}">
+                <a14:useLocalDpi xmlns:a14="http://schemas.microsoft.com/office/drawing/2010/main" val="0"/>
+              </a:ext>
+            </a:extLst>
+          </a:blip>
+          <a:srcRect/>
+          <a:stretch>
+            <a:fillRect/>
+          </a:stretch>
+        </p:blipFill>
+        <p:spPr bwMode="auto">
+          <a:xfrm rot="20333091">
+            <a:off x="1104753" y="952016"/>
+            <a:ext cx="946996" cy="1467425"/>
+          </a:xfrm>
+          <a:prstGeom prst="rect">
+            <a:avLst/>
+          </a:prstGeom>
+          <a:noFill/>
+          <a:extLst>
+            <a:ext uri="{909E8E84-426E-40DD-AFC4-6F175D3DCCD1}">
+              <a14:hiddenFill xmlns:a14="http://schemas.microsoft.com/office/drawing/2010/main">
+                <a:solidFill>
+                  <a:srgbClr val="FFFFFF"/>
+                </a:solidFill>
+              </a14:hiddenFill>
+            </a:ext>
+          </a:extLst>
+        </p:spPr>
+      </p:pic>
     </p:spTree>
     <p:extLst>
       <p:ext uri="{BB962C8B-B14F-4D97-AF65-F5344CB8AC3E}">
@@ -6333,30 +6378,6 @@
           </a:p>
         </p:txBody>
       </p:sp>
-      <p:pic>
-        <p:nvPicPr>
-          <p:cNvPr id="2" name="그림 1"/>
-          <p:cNvPicPr>
-            <a:picLocks noChangeAspect="1"/>
-          </p:cNvPicPr>
-          <p:nvPr/>
-        </p:nvPicPr>
-        <p:blipFill>
-          <a:blip r:embed="rId2"/>
-          <a:stretch>
-            <a:fillRect/>
-          </a:stretch>
-        </p:blipFill>
-        <p:spPr>
-          <a:xfrm>
-            <a:off x="1472432" y="699506"/>
-            <a:ext cx="1042167" cy="1457809"/>
-          </a:xfrm>
-          <a:prstGeom prst="rect">
-            <a:avLst/>
-          </a:prstGeom>
-        </p:spPr>
-      </p:pic>
       <p:sp>
         <p:nvSpPr>
           <p:cNvPr id="14" name="직사각형 13"/>
@@ -6516,7 +6537,7 @@
             <p:nvPr/>
           </p:nvPicPr>
           <p:blipFill>
-            <a:blip r:embed="rId3"/>
+            <a:blip r:embed="rId2"/>
             <a:stretch>
               <a:fillRect/>
             </a:stretch>
@@ -6540,7 +6561,7 @@
             <p:nvPr/>
           </p:nvPicPr>
           <p:blipFill>
-            <a:blip r:embed="rId4"/>
+            <a:blip r:embed="rId3"/>
             <a:stretch>
               <a:fillRect/>
             </a:stretch>
@@ -6565,7 +6586,7 @@
           <p:nvPr/>
         </p:nvPicPr>
         <p:blipFill>
-          <a:blip r:embed="rId5"/>
+          <a:blip r:embed="rId4"/>
           <a:stretch>
             <a:fillRect/>
           </a:stretch>
@@ -6651,6 +6672,53 @@
           </a:p>
         </p:txBody>
       </p:sp>
+      <p:pic>
+        <p:nvPicPr>
+          <p:cNvPr id="2050" name="Picture 2" descr="http://lvedu.kr/bizdemo15636/component/board/board_14/u_image/513751957_300-300500-500.png">
+            <a:extLst>
+              <a:ext uri="{FF2B5EF4-FFF2-40B4-BE49-F238E27FC236}">
+                <a16:creationId xmlns:a16="http://schemas.microsoft.com/office/drawing/2014/main" id="{66D7DB63-D63C-4874-8395-CB86168E8753}"/>
+              </a:ext>
+            </a:extLst>
+          </p:cNvPr>
+          <p:cNvPicPr>
+            <a:picLocks noChangeAspect="1" noChangeArrowheads="1"/>
+          </p:cNvPicPr>
+          <p:nvPr/>
+        </p:nvPicPr>
+        <p:blipFill>
+          <a:blip r:embed="rId5">
+            <a:extLst>
+              <a:ext uri="{28A0092B-C50C-407E-A947-70E740481C1C}">
+                <a14:useLocalDpi xmlns:a14="http://schemas.microsoft.com/office/drawing/2010/main" val="0"/>
+              </a:ext>
+            </a:extLst>
+          </a:blip>
+          <a:srcRect/>
+          <a:stretch>
+            <a:fillRect/>
+          </a:stretch>
+        </p:blipFill>
+        <p:spPr bwMode="auto">
+          <a:xfrm>
+            <a:off x="1258215" y="581264"/>
+            <a:ext cx="1492382" cy="1763744"/>
+          </a:xfrm>
+          <a:prstGeom prst="rect">
+            <a:avLst/>
+          </a:prstGeom>
+          <a:noFill/>
+          <a:extLst>
+            <a:ext uri="{909E8E84-426E-40DD-AFC4-6F175D3DCCD1}">
+              <a14:hiddenFill xmlns:a14="http://schemas.microsoft.com/office/drawing/2010/main">
+                <a:solidFill>
+                  <a:srgbClr val="FFFFFF"/>
+                </a:solidFill>
+              </a14:hiddenFill>
+            </a:ext>
+          </a:extLst>
+        </p:spPr>
+      </p:pic>
     </p:spTree>
     <p:extLst>
       <p:ext uri="{BB962C8B-B14F-4D97-AF65-F5344CB8AC3E}">
@@ -7488,7 +7556,7 @@
           <a:graphicData uri="http://schemas.openxmlformats.org/presentationml/2006/ole">
             <mc:AlternateContent xmlns:mc="http://schemas.openxmlformats.org/markup-compatibility/2006">
               <mc:Choice xmlns:v="urn:schemas-microsoft-com:vml" Requires="v">
-                <p:oleObj spid="_x0000_s1036" name="Worksheet" r:id="rId3" imgW="5996763" imgH="449659" progId="Excel.Sheet.12">
+                <p:oleObj spid="_x0000_s1037" name="Worksheet" r:id="rId3" imgW="5996763" imgH="449659" progId="Excel.Sheet.12">
                   <p:embed/>
                 </p:oleObj>
               </mc:Choice>
